--- a/papers/FGCS_2015/Skeleton-MTAGS-2015.pptx
+++ b/papers/FGCS_2015/Skeleton-MTAGS-2015.pptx
@@ -230,7 +230,7 @@
             <a:fld id="{43253D6A-5627-BF44-9CAD-B86BEE129E21}" type="datetimeFigureOut">
               <a:rPr lang="en-US" smtClean="0"/>
               <a:pPr/>
-              <a:t>11/7/15</a:t>
+              <a:t>11/15/15</a:t>
             </a:fld>
             <a:endParaRPr lang="en-US"/>
           </a:p>
@@ -398,7 +398,7 @@
             <a:fld id="{B0CC1586-5DF1-5445-B7E3-B7397490DD96}" type="datetimeFigureOut">
               <a:rPr lang="en-US" smtClean="0"/>
               <a:pPr/>
-              <a:t>11/7/15</a:t>
+              <a:t>11/15/15</a:t>
             </a:fld>
             <a:endParaRPr lang="en-US"/>
           </a:p>
@@ -11309,7 +11309,6 @@
               <a:rPr lang="en-US" dirty="0" smtClean="0"/>
               <a:t>Steps</a:t>
             </a:r>
-            <a:endParaRPr lang="en-US" dirty="0" smtClean="0"/>
           </a:p>
           <a:p>
             <a:pPr lvl="1"/>
@@ -16036,7 +16035,7 @@
             </a:r>
             <a:r>
               <a:rPr lang="en-US" dirty="0" smtClean="0"/>
-              <a:t>DCI</a:t>
+              <a:t>distributed computing infrastructure (DCI)</a:t>
             </a:r>
             <a:endParaRPr lang="en-US" dirty="0"/>
           </a:p>
@@ -17633,7 +17632,15 @@
             </a:r>
             <a:r>
               <a:rPr lang="en-US" dirty="0"/>
-              <a:t>, "Application Skeletons: Construction and Use in eScience," Future Generation Computing Systems, accepted, 2015</a:t>
+              <a:t>, "Application Skeletons: Construction and Use in eScience," Future Generation Computing Systems</a:t>
+            </a:r>
+            <a:r>
+              <a:rPr lang="en-US" dirty="0" smtClean="0"/>
+              <a:t>, </a:t>
+            </a:r>
+            <a:r>
+              <a:rPr lang="en-US" dirty="0"/>
+              <a:t>2015</a:t>
             </a:r>
             <a:r>
               <a:rPr lang="en-US" dirty="0" smtClean="0"/>

--- a/papers/FGCS_2015/Skeleton-MTAGS-2015.pptx
+++ b/papers/FGCS_2015/Skeleton-MTAGS-2015.pptx
@@ -4374,7 +4374,15 @@
           <a:p>
             <a:r>
               <a:rPr lang="en-US" sz="2800" dirty="0" smtClean="0"/>
-              <a:t>All tasks implemented as 1 standalone C program </a:t>
+              <a:t>All tasks implemented as </a:t>
+            </a:r>
+            <a:r>
+              <a:rPr lang="en-US" sz="2800" dirty="0" smtClean="0"/>
+              <a:t>one </a:t>
+            </a:r>
+            <a:r>
+              <a:rPr lang="en-US" sz="2800" dirty="0" smtClean="0"/>
+              <a:t>standalone C program </a:t>
             </a:r>
             <a:r>
               <a:rPr lang="en-US" sz="2800" dirty="0"/>
